--- a/データレイクサービス入門.pptx
+++ b/データレイクサービス入門.pptx
@@ -141,7 +141,7 @@
   <pc:docChgLst>
     <pc:chgData name="順哉 徳重" userId="61863bed2814b00a" providerId="LiveId" clId="{1B5E8801-B434-46BA-8F7F-262F3CCC920D}"/>
     <pc:docChg chg="undo custSel addSld delSld modSld sldOrd">
-      <pc:chgData name="順哉 徳重" userId="61863bed2814b00a" providerId="LiveId" clId="{1B5E8801-B434-46BA-8F7F-262F3CCC920D}" dt="2025-08-03T12:34:19.066" v="2386" actId="20577"/>
+      <pc:chgData name="順哉 徳重" userId="61863bed2814b00a" providerId="LiveId" clId="{1B5E8801-B434-46BA-8F7F-262F3CCC920D}" dt="2025-08-06T23:25:19.363" v="2393" actId="20577"/>
       <pc:docMkLst>
         <pc:docMk/>
       </pc:docMkLst>
@@ -181,100 +181,12 @@
             <ac:spMk id="2" creationId="{674C3C5E-5927-F8CE-033C-63B6BED69D06}"/>
           </ac:spMkLst>
         </pc:spChg>
-        <pc:spChg chg="del mod">
-          <ac:chgData name="順哉 徳重" userId="61863bed2814b00a" providerId="LiveId" clId="{1B5E8801-B434-46BA-8F7F-262F3CCC920D}" dt="2025-08-02T03:26:20.801" v="1926" actId="478"/>
-          <ac:spMkLst>
-            <pc:docMk/>
-            <pc:sldMk cId="2133145107" sldId="258"/>
-            <ac:spMk id="3" creationId="{29FADF96-FF8D-E25A-CD79-4CA1567E185F}"/>
-          </ac:spMkLst>
-        </pc:spChg>
-        <pc:spChg chg="del">
-          <ac:chgData name="順哉 徳重" userId="61863bed2814b00a" providerId="LiveId" clId="{1B5E8801-B434-46BA-8F7F-262F3CCC920D}" dt="2025-08-02T03:26:11.733" v="1924" actId="21"/>
-          <ac:spMkLst>
-            <pc:docMk/>
-            <pc:sldMk cId="2133145107" sldId="258"/>
-            <ac:spMk id="5" creationId="{C4E3FF58-D21D-A3EE-8344-6A39A389BE66}"/>
-          </ac:spMkLst>
-        </pc:spChg>
-        <pc:spChg chg="add del mod">
-          <ac:chgData name="順哉 徳重" userId="61863bed2814b00a" providerId="LiveId" clId="{1B5E8801-B434-46BA-8F7F-262F3CCC920D}" dt="2025-08-02T03:27:03.764" v="1931" actId="478"/>
-          <ac:spMkLst>
-            <pc:docMk/>
-            <pc:sldMk cId="2133145107" sldId="258"/>
-            <ac:spMk id="6" creationId="{6B5885DB-E7AB-05F2-D770-7BA5CA05AE91}"/>
-          </ac:spMkLst>
-        </pc:spChg>
-        <pc:spChg chg="del">
-          <ac:chgData name="順哉 徳重" userId="61863bed2814b00a" providerId="LiveId" clId="{1B5E8801-B434-46BA-8F7F-262F3CCC920D}" dt="2025-08-02T03:26:50.834" v="1927" actId="478"/>
-          <ac:spMkLst>
-            <pc:docMk/>
-            <pc:sldMk cId="2133145107" sldId="258"/>
-            <ac:spMk id="8" creationId="{C96D835D-43CA-EA79-C2BE-0092DF99E68E}"/>
-          </ac:spMkLst>
-        </pc:spChg>
-        <pc:spChg chg="del mod">
-          <ac:chgData name="順哉 徳重" userId="61863bed2814b00a" providerId="LiveId" clId="{1B5E8801-B434-46BA-8F7F-262F3CCC920D}" dt="2025-08-02T03:27:10.698" v="1933" actId="478"/>
-          <ac:spMkLst>
-            <pc:docMk/>
-            <pc:sldMk cId="2133145107" sldId="258"/>
-            <ac:spMk id="11" creationId="{1E0154B3-B979-993C-55AF-6B6A01194F80}"/>
-          </ac:spMkLst>
-        </pc:spChg>
-        <pc:spChg chg="del">
-          <ac:chgData name="順哉 徳重" userId="61863bed2814b00a" providerId="LiveId" clId="{1B5E8801-B434-46BA-8F7F-262F3CCC920D}" dt="2025-08-02T03:27:13.781" v="1934" actId="478"/>
-          <ac:spMkLst>
-            <pc:docMk/>
-            <pc:sldMk cId="2133145107" sldId="258"/>
-            <ac:spMk id="12" creationId="{A4F55715-C5E2-22CA-9C1E-B3CE2657CAA1}"/>
-          </ac:spMkLst>
-        </pc:spChg>
-        <pc:spChg chg="del">
-          <ac:chgData name="順哉 徳重" userId="61863bed2814b00a" providerId="LiveId" clId="{1B5E8801-B434-46BA-8F7F-262F3CCC920D}" dt="2025-08-02T03:27:17.848" v="1935" actId="478"/>
-          <ac:spMkLst>
-            <pc:docMk/>
-            <pc:sldMk cId="2133145107" sldId="258"/>
-            <ac:spMk id="13" creationId="{1E925104-067F-535E-8391-A6C40A2BEBE2}"/>
-          </ac:spMkLst>
-        </pc:spChg>
-        <pc:spChg chg="del mod">
-          <ac:chgData name="順哉 徳重" userId="61863bed2814b00a" providerId="LiveId" clId="{1B5E8801-B434-46BA-8F7F-262F3CCC920D}" dt="2025-08-02T03:26:59.443" v="1930" actId="478"/>
-          <ac:spMkLst>
-            <pc:docMk/>
-            <pc:sldMk cId="2133145107" sldId="258"/>
-            <ac:spMk id="14" creationId="{5B37345F-07AF-F3CF-3D01-F12C823BC695}"/>
-          </ac:spMkLst>
-        </pc:spChg>
         <pc:picChg chg="add mod">
           <ac:chgData name="順哉 徳重" userId="61863bed2814b00a" providerId="LiveId" clId="{1B5E8801-B434-46BA-8F7F-262F3CCC920D}" dt="2025-08-02T09:59:05.997" v="2246" actId="1076"/>
           <ac:picMkLst>
             <pc:docMk/>
             <pc:sldMk cId="2133145107" sldId="258"/>
             <ac:picMk id="9" creationId="{C8E3D03C-9294-2CA8-5E81-174FC4D5B482}"/>
-          </ac:picMkLst>
-        </pc:picChg>
-        <pc:picChg chg="del">
-          <ac:chgData name="順哉 徳重" userId="61863bed2814b00a" providerId="LiveId" clId="{1B5E8801-B434-46BA-8F7F-262F3CCC920D}" dt="2025-08-02T03:28:51.487" v="1936" actId="21"/>
-          <ac:picMkLst>
-            <pc:docMk/>
-            <pc:sldMk cId="2133145107" sldId="258"/>
-            <ac:picMk id="10" creationId="{911F8C84-928C-9F3F-3684-0F1F75A3DD46}"/>
-          </ac:picMkLst>
-        </pc:picChg>
-        <pc:picChg chg="add del mod">
-          <ac:chgData name="順哉 徳重" userId="61863bed2814b00a" providerId="LiveId" clId="{1B5E8801-B434-46BA-8F7F-262F3CCC920D}" dt="2025-08-02T09:57:58.957" v="2237" actId="478"/>
-          <ac:picMkLst>
-            <pc:docMk/>
-            <pc:sldMk cId="2133145107" sldId="258"/>
-            <ac:picMk id="16" creationId="{ED7ED93B-08E5-F77E-3490-D27E40D5B8A9}"/>
-          </ac:picMkLst>
-        </pc:picChg>
-        <pc:picChg chg="add del mod">
-          <ac:chgData name="順哉 徳重" userId="61863bed2814b00a" providerId="LiveId" clId="{1B5E8801-B434-46BA-8F7F-262F3CCC920D}" dt="2025-08-02T09:58:51.144" v="2245" actId="21"/>
-          <ac:picMkLst>
-            <pc:docMk/>
-            <pc:sldMk cId="2133145107" sldId="258"/>
-            <ac:picMk id="18" creationId="{AF5FB8EF-F74C-E5F7-9F5A-6DBD94C22CBA}"/>
           </ac:picMkLst>
         </pc:picChg>
       </pc:sldChg>
@@ -292,28 +204,12 @@
             <ac:spMk id="4" creationId="{4D18B523-245E-186E-B499-47996B2CA785}"/>
           </ac:spMkLst>
         </pc:spChg>
-        <pc:picChg chg="del">
-          <ac:chgData name="順哉 徳重" userId="61863bed2814b00a" providerId="LiveId" clId="{1B5E8801-B434-46BA-8F7F-262F3CCC920D}" dt="2025-08-02T03:30:29.223" v="1943" actId="21"/>
-          <ac:picMkLst>
-            <pc:docMk/>
-            <pc:sldMk cId="3546876856" sldId="260"/>
-            <ac:picMk id="3" creationId="{937985DA-8DFF-C91A-7B96-15995F8622D1}"/>
-          </ac:picMkLst>
-        </pc:picChg>
         <pc:picChg chg="add mod">
           <ac:chgData name="順哉 徳重" userId="61863bed2814b00a" providerId="LiveId" clId="{1B5E8801-B434-46BA-8F7F-262F3CCC920D}" dt="2025-08-02T03:49:34.785" v="1963" actId="1076"/>
           <ac:picMkLst>
             <pc:docMk/>
             <pc:sldMk cId="3546876856" sldId="260"/>
             <ac:picMk id="5" creationId="{26C94BF3-3AD1-BAEC-AE45-514EC7403AA9}"/>
-          </ac:picMkLst>
-        </pc:picChg>
-        <pc:picChg chg="del">
-          <ac:chgData name="順哉 徳重" userId="61863bed2814b00a" providerId="LiveId" clId="{1B5E8801-B434-46BA-8F7F-262F3CCC920D}" dt="2025-08-02T03:30:32.971" v="1944" actId="21"/>
-          <ac:picMkLst>
-            <pc:docMk/>
-            <pc:sldMk cId="3546876856" sldId="260"/>
-            <ac:picMk id="6" creationId="{A3019B54-C033-BB90-C95F-02A60B08EFAC}"/>
           </ac:picMkLst>
         </pc:picChg>
       </pc:sldChg>
@@ -323,30 +219,6 @@
           <pc:docMk/>
           <pc:sldMk cId="3860974027" sldId="261"/>
         </pc:sldMkLst>
-        <pc:spChg chg="del mod">
-          <ac:chgData name="順哉 徳重" userId="61863bed2814b00a" providerId="LiveId" clId="{1B5E8801-B434-46BA-8F7F-262F3CCC920D}" dt="2025-08-02T04:15:23.652" v="1970" actId="478"/>
-          <ac:spMkLst>
-            <pc:docMk/>
-            <pc:sldMk cId="3860974027" sldId="261"/>
-            <ac:spMk id="3" creationId="{EA137A18-90E6-FB42-4F8E-F1269C324D97}"/>
-          </ac:spMkLst>
-        </pc:spChg>
-        <pc:spChg chg="del mod">
-          <ac:chgData name="順哉 徳重" userId="61863bed2814b00a" providerId="LiveId" clId="{1B5E8801-B434-46BA-8F7F-262F3CCC920D}" dt="2025-08-02T04:15:19.895" v="1969" actId="478"/>
-          <ac:spMkLst>
-            <pc:docMk/>
-            <pc:sldMk cId="3860974027" sldId="261"/>
-            <ac:spMk id="4" creationId="{AE66A4EB-94B8-AB85-2500-5E6ED1EE49A3}"/>
-          </ac:spMkLst>
-        </pc:spChg>
-        <pc:spChg chg="del mod">
-          <ac:chgData name="順哉 徳重" userId="61863bed2814b00a" providerId="LiveId" clId="{1B5E8801-B434-46BA-8F7F-262F3CCC920D}" dt="2025-08-02T04:15:26.363" v="1971" actId="478"/>
-          <ac:spMkLst>
-            <pc:docMk/>
-            <pc:sldMk cId="3860974027" sldId="261"/>
-            <ac:spMk id="9" creationId="{1C5756B7-0207-3303-282F-14FF47AF1F66}"/>
-          </ac:spMkLst>
-        </pc:spChg>
         <pc:spChg chg="add mod">
           <ac:chgData name="順哉 徳重" userId="61863bed2814b00a" providerId="LiveId" clId="{1B5E8801-B434-46BA-8F7F-262F3CCC920D}" dt="2025-08-02T04:17:02.600" v="1994" actId="255"/>
           <ac:spMkLst>
@@ -355,22 +227,6 @@
             <ac:spMk id="10" creationId="{55274DF9-FE10-C756-A3DD-A0945923BFFE}"/>
           </ac:spMkLst>
         </pc:spChg>
-        <pc:picChg chg="add del mod">
-          <ac:chgData name="順哉 徳重" userId="61863bed2814b00a" providerId="LiveId" clId="{1B5E8801-B434-46BA-8F7F-262F3CCC920D}" dt="2025-08-02T08:30:38.344" v="1999" actId="21"/>
-          <ac:picMkLst>
-            <pc:docMk/>
-            <pc:sldMk cId="3860974027" sldId="261"/>
-            <ac:picMk id="5" creationId="{2C2B9CEB-88CB-FCC3-82DC-826808E5764E}"/>
-          </ac:picMkLst>
-        </pc:picChg>
-        <pc:picChg chg="del">
-          <ac:chgData name="順哉 徳重" userId="61863bed2814b00a" providerId="LiveId" clId="{1B5E8801-B434-46BA-8F7F-262F3CCC920D}" dt="2025-08-02T04:15:06.827" v="1965" actId="478"/>
-          <ac:picMkLst>
-            <pc:docMk/>
-            <pc:sldMk cId="3860974027" sldId="261"/>
-            <ac:picMk id="6" creationId="{44F0B4F0-4AF7-5EE7-0B31-3D908D40E6D5}"/>
-          </ac:picMkLst>
-        </pc:picChg>
         <pc:picChg chg="add mod">
           <ac:chgData name="順哉 徳重" userId="61863bed2814b00a" providerId="LiveId" clId="{1B5E8801-B434-46BA-8F7F-262F3CCC920D}" dt="2025-08-02T08:30:45.833" v="2001" actId="1076"/>
           <ac:picMkLst>
@@ -408,14 +264,6 @@
             <ac:spMk id="4" creationId="{866A9839-2260-EA22-2FA1-FFAE9BC28195}"/>
           </ac:spMkLst>
         </pc:spChg>
-        <pc:picChg chg="add del mod">
-          <ac:chgData name="順哉 徳重" userId="61863bed2814b00a" providerId="LiveId" clId="{1B5E8801-B434-46BA-8F7F-262F3CCC920D}" dt="2025-08-02T09:10:31.826" v="2029" actId="478"/>
-          <ac:picMkLst>
-            <pc:docMk/>
-            <pc:sldMk cId="1392983518" sldId="264"/>
-            <ac:picMk id="3" creationId="{CEC1CE5F-7F91-D866-F753-82B7915808E6}"/>
-          </ac:picMkLst>
-        </pc:picChg>
         <pc:picChg chg="add mod">
           <ac:chgData name="順哉 徳重" userId="61863bed2814b00a" providerId="LiveId" clId="{1B5E8801-B434-46BA-8F7F-262F3CCC920D}" dt="2025-08-02T09:15:41.334" v="2032" actId="1076"/>
           <ac:picMkLst>
@@ -447,14 +295,6 @@
             <ac:picMk id="3" creationId="{5C80AE94-BA96-9412-64A0-E450BB58CF8D}"/>
           </ac:picMkLst>
         </pc:picChg>
-        <pc:picChg chg="del">
-          <ac:chgData name="順哉 徳重" userId="61863bed2814b00a" providerId="LiveId" clId="{1B5E8801-B434-46BA-8F7F-262F3CCC920D}" dt="2025-08-02T09:41:06.295" v="2047" actId="21"/>
-          <ac:picMkLst>
-            <pc:docMk/>
-            <pc:sldMk cId="567786894" sldId="265"/>
-            <ac:picMk id="5" creationId="{B53C3DC7-8E73-7C8F-BFD1-3C7B72374C36}"/>
-          </ac:picMkLst>
-        </pc:picChg>
       </pc:sldChg>
       <pc:sldChg chg="addSp delSp modSp add del mod">
         <pc:chgData name="順哉 徳重" userId="61863bed2814b00a" providerId="LiveId" clId="{1B5E8801-B434-46BA-8F7F-262F3CCC920D}" dt="2025-08-02T09:15:51.462" v="2033" actId="47"/>
@@ -484,14 +324,6 @@
             <ac:spMk id="4" creationId="{77C2FE2F-8180-4B51-0B03-2DE6E8A58C44}"/>
           </ac:spMkLst>
         </pc:spChg>
-        <pc:picChg chg="del">
-          <ac:chgData name="順哉 徳重" userId="61863bed2814b00a" providerId="LiveId" clId="{1B5E8801-B434-46BA-8F7F-262F3CCC920D}" dt="2025-08-02T09:43:41.201" v="2112" actId="478"/>
-          <ac:picMkLst>
-            <pc:docMk/>
-            <pc:sldMk cId="3976586341" sldId="266"/>
-            <ac:picMk id="3" creationId="{1A11B001-DBE3-677B-68BC-97E25210CD1D}"/>
-          </ac:picMkLst>
-        </pc:picChg>
         <pc:picChg chg="add mod">
           <ac:chgData name="順哉 徳重" userId="61863bed2814b00a" providerId="LiveId" clId="{1B5E8801-B434-46BA-8F7F-262F3CCC920D}" dt="2025-08-02T09:44:05.846" v="2115" actId="1076"/>
           <ac:picMkLst>
@@ -523,14 +355,6 @@
             <ac:picMk id="3" creationId="{D1C8855C-A6F0-83C5-19DA-E4E39BD2D128}"/>
           </ac:picMkLst>
         </pc:picChg>
-        <pc:picChg chg="del">
-          <ac:chgData name="順哉 徳重" userId="61863bed2814b00a" providerId="LiveId" clId="{1B5E8801-B434-46BA-8F7F-262F3CCC920D}" dt="2025-08-02T09:44:34.075" v="2129" actId="478"/>
-          <ac:picMkLst>
-            <pc:docMk/>
-            <pc:sldMk cId="2189996101" sldId="267"/>
-            <ac:picMk id="5" creationId="{E7C450EA-B44B-FD82-43F7-CFAD6508FA9D}"/>
-          </ac:picMkLst>
-        </pc:picChg>
       </pc:sldChg>
       <pc:sldChg chg="addSp delSp modSp add del mod">
         <pc:chgData name="順哉 徳重" userId="61863bed2814b00a" providerId="LiveId" clId="{1B5E8801-B434-46BA-8F7F-262F3CCC920D}" dt="2025-08-02T09:15:59.947" v="2037" actId="47"/>
@@ -553,14 +377,6 @@
             <ac:spMk id="4" creationId="{5028CCCA-B5DE-E1D9-3E72-A72D04F5478E}"/>
           </ac:spMkLst>
         </pc:spChg>
-        <pc:picChg chg="del">
-          <ac:chgData name="順哉 徳重" userId="61863bed2814b00a" providerId="LiveId" clId="{1B5E8801-B434-46BA-8F7F-262F3CCC920D}" dt="2025-08-02T09:47:04.579" v="2181" actId="478"/>
-          <ac:picMkLst>
-            <pc:docMk/>
-            <pc:sldMk cId="2071335713" sldId="268"/>
-            <ac:picMk id="3" creationId="{9D94EDA7-C52E-3DEF-6C2B-FFB1D26F87FE}"/>
-          </ac:picMkLst>
-        </pc:picChg>
         <pc:picChg chg="add mod">
           <ac:chgData name="順哉 徳重" userId="61863bed2814b00a" providerId="LiveId" clId="{1B5E8801-B434-46BA-8F7F-262F3CCC920D}" dt="2025-08-02T09:47:27.728" v="2184" actId="1076"/>
           <ac:picMkLst>
@@ -599,14 +415,6 @@
             <ac:picMk id="3" creationId="{64F56CA8-F1DC-BAFE-81EB-B59D1612F9D1}"/>
           </ac:picMkLst>
         </pc:picChg>
-        <pc:picChg chg="del">
-          <ac:chgData name="順哉 徳重" userId="61863bed2814b00a" providerId="LiveId" clId="{1B5E8801-B434-46BA-8F7F-262F3CCC920D}" dt="2025-08-02T09:53:48.829" v="2203" actId="478"/>
-          <ac:picMkLst>
-            <pc:docMk/>
-            <pc:sldMk cId="1694024932" sldId="269"/>
-            <ac:picMk id="5" creationId="{C3DE725B-79AB-4E33-ED88-BB6EC9A1C141}"/>
-          </ac:picMkLst>
-        </pc:picChg>
       </pc:sldChg>
       <pc:sldChg chg="addSp delSp modSp add del mod ord">
         <pc:chgData name="順哉 徳重" userId="61863bed2814b00a" providerId="LiveId" clId="{1B5E8801-B434-46BA-8F7F-262F3CCC920D}" dt="2025-08-02T09:15:58.259" v="2035" actId="47"/>
@@ -637,22 +445,6 @@
             <ac:picMk id="3" creationId="{2903160F-B35D-1379-AD93-E4F8A6746B3E}"/>
           </ac:picMkLst>
         </pc:picChg>
-        <pc:picChg chg="add del mod">
-          <ac:chgData name="順哉 徳重" userId="61863bed2814b00a" providerId="LiveId" clId="{1B5E8801-B434-46BA-8F7F-262F3CCC920D}" dt="2025-08-02T09:56:22.503" v="2227" actId="478"/>
-          <ac:picMkLst>
-            <pc:docMk/>
-            <pc:sldMk cId="2888629864" sldId="270"/>
-            <ac:picMk id="5" creationId="{6A848F96-1012-B377-88B2-B5774CB2AC2F}"/>
-          </ac:picMkLst>
-        </pc:picChg>
-        <pc:picChg chg="del">
-          <ac:chgData name="順哉 徳重" userId="61863bed2814b00a" providerId="LiveId" clId="{1B5E8801-B434-46BA-8F7F-262F3CCC920D}" dt="2025-08-02T09:55:08.026" v="2220" actId="478"/>
-          <ac:picMkLst>
-            <pc:docMk/>
-            <pc:sldMk cId="2888629864" sldId="270"/>
-            <ac:picMk id="8" creationId="{F6F75D6E-AECF-29F9-5C28-F68355FB2FC2}"/>
-          </ac:picMkLst>
-        </pc:picChg>
       </pc:sldChg>
       <pc:sldChg chg="addSp modSp add del mod ord">
         <pc:chgData name="順哉 徳重" userId="61863bed2814b00a" providerId="LiveId" clId="{1B5E8801-B434-46BA-8F7F-262F3CCC920D}" dt="2025-08-02T09:15:59.156" v="2036" actId="47"/>
@@ -675,14 +467,6 @@
             <ac:spMk id="4" creationId="{70E6D1F8-FB3D-1BBB-19E1-42336D832F4F}"/>
           </ac:spMkLst>
         </pc:spChg>
-        <pc:picChg chg="del">
-          <ac:chgData name="順哉 徳重" userId="61863bed2814b00a" providerId="LiveId" clId="{1B5E8801-B434-46BA-8F7F-262F3CCC920D}" dt="2025-08-02T10:08:18.125" v="2285" actId="478"/>
-          <ac:picMkLst>
-            <pc:docMk/>
-            <pc:sldMk cId="1723064851" sldId="271"/>
-            <ac:picMk id="3" creationId="{C04C1657-6A00-8CA8-8559-2E90CB83C4F5}"/>
-          </ac:picMkLst>
-        </pc:picChg>
         <pc:picChg chg="add mod">
           <ac:chgData name="順哉 徳重" userId="61863bed2814b00a" providerId="LiveId" clId="{1B5E8801-B434-46BA-8F7F-262F3CCC920D}" dt="2025-08-02T10:09:12.436" v="2288" actId="1076"/>
           <ac:picMkLst>
@@ -720,14 +504,6 @@
             <ac:picMk id="3" creationId="{A7EFEEAC-4B30-43FB-4E67-A2BBE04A26BD}"/>
           </ac:picMkLst>
         </pc:picChg>
-        <pc:picChg chg="del">
-          <ac:chgData name="順哉 徳重" userId="61863bed2814b00a" providerId="LiveId" clId="{1B5E8801-B434-46BA-8F7F-262F3CCC920D}" dt="2025-08-02T10:09:46.645" v="2291" actId="478"/>
-          <ac:picMkLst>
-            <pc:docMk/>
-            <pc:sldMk cId="3478574041" sldId="272"/>
-            <ac:picMk id="5" creationId="{95E6731D-E623-FBBD-AC68-ED2495EF5DC5}"/>
-          </ac:picMkLst>
-        </pc:picChg>
       </pc:sldChg>
       <pc:sldChg chg="addSp modSp add del mod ord">
         <pc:chgData name="順哉 徳重" userId="61863bed2814b00a" providerId="LiveId" clId="{1B5E8801-B434-46BA-8F7F-262F3CCC920D}" dt="2025-08-02T09:16:05.029" v="2043" actId="47"/>
@@ -742,30 +518,6 @@
           <pc:docMk/>
           <pc:sldMk cId="2524822130" sldId="273"/>
         </pc:sldMkLst>
-        <pc:spChg chg="add mod">
-          <ac:chgData name="順哉 徳重" userId="61863bed2814b00a" providerId="LiveId" clId="{1B5E8801-B434-46BA-8F7F-262F3CCC920D}" dt="2025-08-02T16:00:59.862" v="2357" actId="20577"/>
-          <ac:spMkLst>
-            <pc:docMk/>
-            <pc:sldMk cId="2524822130" sldId="273"/>
-            <ac:spMk id="4" creationId="{EF0D7521-8401-B44C-8683-3BB6FC3122FA}"/>
-          </ac:spMkLst>
-        </pc:spChg>
-        <pc:spChg chg="add mod">
-          <ac:chgData name="順哉 徳重" userId="61863bed2814b00a" providerId="LiveId" clId="{1B5E8801-B434-46BA-8F7F-262F3CCC920D}" dt="2025-08-02T15:59:55.920" v="2333"/>
-          <ac:spMkLst>
-            <pc:docMk/>
-            <pc:sldMk cId="2524822130" sldId="273"/>
-            <ac:spMk id="5" creationId="{90287E1B-43AE-C340-8219-3FDB230B175E}"/>
-          </ac:spMkLst>
-        </pc:spChg>
-        <pc:picChg chg="add mod">
-          <ac:chgData name="順哉 徳重" userId="61863bed2814b00a" providerId="LiveId" clId="{1B5E8801-B434-46BA-8F7F-262F3CCC920D}" dt="2025-08-02T15:59:48.460" v="2332" actId="1076"/>
-          <ac:picMkLst>
-            <pc:docMk/>
-            <pc:sldMk cId="2524822130" sldId="273"/>
-            <ac:picMk id="3" creationId="{85E30F7D-E631-0FF7-79DF-1630A81C25D1}"/>
-          </ac:picMkLst>
-        </pc:picChg>
       </pc:sldChg>
       <pc:sldChg chg="addSp delSp modSp add del mod">
         <pc:chgData name="順哉 徳重" userId="61863bed2814b00a" providerId="LiveId" clId="{1B5E8801-B434-46BA-8F7F-262F3CCC920D}" dt="2025-08-02T09:16:03.356" v="2041" actId="47"/>
@@ -796,22 +548,6 @@
             <ac:picMk id="3" creationId="{0036C580-8426-1F2A-EBD0-4500F3288D88}"/>
           </ac:picMkLst>
         </pc:picChg>
-        <pc:picChg chg="del">
-          <ac:chgData name="順哉 徳重" userId="61863bed2814b00a" providerId="LiveId" clId="{1B5E8801-B434-46BA-8F7F-262F3CCC920D}" dt="2025-08-02T16:00:19.554" v="2349" actId="478"/>
-          <ac:picMkLst>
-            <pc:docMk/>
-            <pc:sldMk cId="3422882632" sldId="274"/>
-            <ac:picMk id="3" creationId="{F4AD32AF-0B02-EBB1-C2AC-DEC4104FC1D4}"/>
-          </ac:picMkLst>
-        </pc:picChg>
-        <pc:picChg chg="add del mod">
-          <ac:chgData name="順哉 徳重" userId="61863bed2814b00a" providerId="LiveId" clId="{1B5E8801-B434-46BA-8F7F-262F3CCC920D}" dt="2025-08-03T12:32:59.988" v="2360" actId="478"/>
-          <ac:picMkLst>
-            <pc:docMk/>
-            <pc:sldMk cId="3422882632" sldId="274"/>
-            <ac:picMk id="5" creationId="{05D5AFAF-17C4-7A21-6756-B47D5E7E3C0E}"/>
-          </ac:picMkLst>
-        </pc:picChg>
       </pc:sldChg>
       <pc:sldChg chg="addSp modSp add del mod ord">
         <pc:chgData name="順哉 徳重" userId="61863bed2814b00a" providerId="LiveId" clId="{1B5E8801-B434-46BA-8F7F-262F3CCC920D}" dt="2025-08-02T09:16:01.724" v="2039" actId="47"/>
@@ -826,6 +562,21 @@
           <pc:docMk/>
           <pc:sldMk cId="892589220" sldId="276"/>
         </pc:sldMkLst>
+      </pc:sldChg>
+      <pc:sldChg chg="modSp mod">
+        <pc:chgData name="順哉 徳重" userId="61863bed2814b00a" providerId="LiveId" clId="{1B5E8801-B434-46BA-8F7F-262F3CCC920D}" dt="2025-08-06T23:25:19.363" v="2393" actId="20577"/>
+        <pc:sldMkLst>
+          <pc:docMk/>
+          <pc:sldMk cId="1369777386" sldId="276"/>
+        </pc:sldMkLst>
+        <pc:spChg chg="mod">
+          <ac:chgData name="順哉 徳重" userId="61863bed2814b00a" providerId="LiveId" clId="{1B5E8801-B434-46BA-8F7F-262F3CCC920D}" dt="2025-08-06T23:25:19.363" v="2393" actId="20577"/>
+          <ac:spMkLst>
+            <pc:docMk/>
+            <pc:sldMk cId="1369777386" sldId="276"/>
+            <ac:spMk id="4" creationId="{5ACAABCF-7614-0110-5128-19062EC40B4A}"/>
+          </ac:spMkLst>
+        </pc:spChg>
       </pc:sldChg>
     </pc:docChg>
   </pc:docChgLst>
@@ -979,7 +730,7 @@
           <a:p>
             <a:fld id="{3C3DA872-DDD1-4DDD-AFE9-8F27EAB700D9}" type="datetimeFigureOut">
               <a:rPr kumimoji="1" lang="ja-JP" altLang="en-US" smtClean="0"/>
-              <a:t>2025/8/5</a:t>
+              <a:t>2025/8/7</a:t>
             </a:fld>
             <a:endParaRPr kumimoji="1" lang="ja-JP" altLang="en-US"/>
           </a:p>
@@ -1209,7 +960,7 @@
           <a:p>
             <a:fld id="{3C3DA872-DDD1-4DDD-AFE9-8F27EAB700D9}" type="datetimeFigureOut">
               <a:rPr kumimoji="1" lang="ja-JP" altLang="en-US" smtClean="0"/>
-              <a:t>2025/8/5</a:t>
+              <a:t>2025/8/7</a:t>
             </a:fld>
             <a:endParaRPr kumimoji="1" lang="ja-JP" altLang="en-US"/>
           </a:p>
@@ -1449,7 +1200,7 @@
           <a:p>
             <a:fld id="{3C3DA872-DDD1-4DDD-AFE9-8F27EAB700D9}" type="datetimeFigureOut">
               <a:rPr kumimoji="1" lang="ja-JP" altLang="en-US" smtClean="0"/>
-              <a:t>2025/8/5</a:t>
+              <a:t>2025/8/7</a:t>
             </a:fld>
             <a:endParaRPr kumimoji="1" lang="ja-JP" altLang="en-US"/>
           </a:p>
@@ -1679,7 +1430,7 @@
           <a:p>
             <a:fld id="{3C3DA872-DDD1-4DDD-AFE9-8F27EAB700D9}" type="datetimeFigureOut">
               <a:rPr kumimoji="1" lang="ja-JP" altLang="en-US" smtClean="0"/>
-              <a:t>2025/8/5</a:t>
+              <a:t>2025/8/7</a:t>
             </a:fld>
             <a:endParaRPr kumimoji="1" lang="ja-JP" altLang="en-US"/>
           </a:p>
@@ -1954,7 +1705,7 @@
           <a:p>
             <a:fld id="{3C3DA872-DDD1-4DDD-AFE9-8F27EAB700D9}" type="datetimeFigureOut">
               <a:rPr kumimoji="1" lang="ja-JP" altLang="en-US" smtClean="0"/>
-              <a:t>2025/8/5</a:t>
+              <a:t>2025/8/7</a:t>
             </a:fld>
             <a:endParaRPr kumimoji="1" lang="ja-JP" altLang="en-US"/>
           </a:p>
@@ -2283,7 +2034,7 @@
           <a:p>
             <a:fld id="{3C3DA872-DDD1-4DDD-AFE9-8F27EAB700D9}" type="datetimeFigureOut">
               <a:rPr kumimoji="1" lang="ja-JP" altLang="en-US" smtClean="0"/>
-              <a:t>2025/8/5</a:t>
+              <a:t>2025/8/7</a:t>
             </a:fld>
             <a:endParaRPr kumimoji="1" lang="ja-JP" altLang="en-US"/>
           </a:p>
@@ -2759,7 +2510,7 @@
           <a:p>
             <a:fld id="{3C3DA872-DDD1-4DDD-AFE9-8F27EAB700D9}" type="datetimeFigureOut">
               <a:rPr kumimoji="1" lang="ja-JP" altLang="en-US" smtClean="0"/>
-              <a:t>2025/8/5</a:t>
+              <a:t>2025/8/7</a:t>
             </a:fld>
             <a:endParaRPr kumimoji="1" lang="ja-JP" altLang="en-US"/>
           </a:p>
@@ -2900,7 +2651,7 @@
           <a:p>
             <a:fld id="{3C3DA872-DDD1-4DDD-AFE9-8F27EAB700D9}" type="datetimeFigureOut">
               <a:rPr kumimoji="1" lang="ja-JP" altLang="en-US" smtClean="0"/>
-              <a:t>2025/8/5</a:t>
+              <a:t>2025/8/7</a:t>
             </a:fld>
             <a:endParaRPr kumimoji="1" lang="ja-JP" altLang="en-US"/>
           </a:p>
@@ -3013,7 +2764,7 @@
           <a:p>
             <a:fld id="{3C3DA872-DDD1-4DDD-AFE9-8F27EAB700D9}" type="datetimeFigureOut">
               <a:rPr kumimoji="1" lang="ja-JP" altLang="en-US" smtClean="0"/>
-              <a:t>2025/8/5</a:t>
+              <a:t>2025/8/7</a:t>
             </a:fld>
             <a:endParaRPr kumimoji="1" lang="ja-JP" altLang="en-US"/>
           </a:p>
@@ -3356,7 +3107,7 @@
           <a:p>
             <a:fld id="{3C3DA872-DDD1-4DDD-AFE9-8F27EAB700D9}" type="datetimeFigureOut">
               <a:rPr kumimoji="1" lang="ja-JP" altLang="en-US" smtClean="0"/>
-              <a:t>2025/8/5</a:t>
+              <a:t>2025/8/7</a:t>
             </a:fld>
             <a:endParaRPr kumimoji="1" lang="ja-JP" altLang="en-US"/>
           </a:p>
@@ -3644,7 +3395,7 @@
           <a:p>
             <a:fld id="{3C3DA872-DDD1-4DDD-AFE9-8F27EAB700D9}" type="datetimeFigureOut">
               <a:rPr kumimoji="1" lang="ja-JP" altLang="en-US" smtClean="0"/>
-              <a:t>2025/8/5</a:t>
+              <a:t>2025/8/7</a:t>
             </a:fld>
             <a:endParaRPr kumimoji="1" lang="ja-JP" altLang="en-US"/>
           </a:p>
@@ -3917,7 +3668,7 @@
           <a:p>
             <a:fld id="{3C3DA872-DDD1-4DDD-AFE9-8F27EAB700D9}" type="datetimeFigureOut">
               <a:rPr kumimoji="1" lang="ja-JP" altLang="en-US" smtClean="0"/>
-              <a:t>2025/8/5</a:t>
+              <a:t>2025/8/7</a:t>
             </a:fld>
             <a:endParaRPr kumimoji="1" lang="ja-JP" altLang="en-US"/>
           </a:p>
@@ -5634,6 +5385,12 @@
               <a:t>(</a:t>
             </a:r>
             <a:r>
+              <a:rPr kumimoji="0" lang="ja-JP" altLang="en-US" sz="2800" dirty="0">
+                <a:latin typeface="Arial" panose="020B0604020202020204" pitchFamily="34" charset="0"/>
+              </a:rPr>
+              <a:t>縦</a:t>
+            </a:r>
+            <a:r>
               <a:rPr kumimoji="0" lang="ja-JP" altLang="en-US" sz="2800" i="0" u="none" strike="noStrike" cap="none" normalizeH="0" baseline="0" dirty="0">
                 <a:ln>
                   <a:noFill/>
@@ -5641,7 +5398,7 @@
                 <a:effectLst/>
                 <a:latin typeface="Arial" panose="020B0604020202020204" pitchFamily="34" charset="0"/>
               </a:rPr>
-              <a:t>横棒グラフとスライサー</a:t>
+              <a:t>棒グラフとスライサー</a:t>
             </a:r>
             <a:r>
               <a:rPr kumimoji="0" lang="en-US" altLang="ja-JP" sz="2800" i="0" u="none" strike="noStrike" cap="none" normalizeH="0" baseline="0" dirty="0">
